--- a/机器学习.pptx
+++ b/机器学习.pptx
@@ -17,7 +17,8 @@
     <p:sldId id="263" r:id="rId11"/>
     <p:sldId id="264" r:id="rId12"/>
     <p:sldId id="266" r:id="rId13"/>
-    <p:sldId id="268" r:id="rId14"/>
+    <p:sldId id="275" r:id="rId14"/>
+    <p:sldId id="268" r:id="rId15"/>
   </p:sldIdLst>
   <p:sldSz cx="12192000" cy="6858000"/>
   <p:notesSz cx="6858000" cy="9144000"/>
@@ -12690,7 +12691,6 @@
               <a:rPr lang="zh-CN" altLang="en-US" sz="2400" dirty="0" smtClean="0"/>
               <a:t>该决策树用来预测贷款用户是否具有偿还贷款的能力。</a:t>
             </a:r>
-            <a:endParaRPr lang="zh-CN" altLang="en-US" sz="2400" dirty="0" smtClean="0"/>
           </a:p>
         </p:txBody>
       </p:sp>
@@ -12716,6 +12716,13 @@
       </p:transition>
     </mc:Fallback>
   </mc:AlternateContent>
+  <p:timing>
+    <p:tnLst>
+      <p:par>
+        <p:cTn id="1" dur="indefinite" restart="never" nodeType="tmRoot"/>
+      </p:par>
+    </p:tnLst>
+  </p:timing>
 </p:sld>
 </file>
 
@@ -12853,10 +12860,177 @@
       </p:transition>
     </mc:Fallback>
   </mc:AlternateContent>
+  <p:timing>
+    <p:tnLst>
+      <p:par>
+        <p:cTn id="1" dur="indefinite" restart="never" nodeType="tmRoot"/>
+      </p:par>
+    </p:tnLst>
+  </p:timing>
 </p:sld>
 </file>
 
 <file path=ppt/slides/slide12.xml><?xml version="1.0" encoding="utf-8"?>
+<p:sld xmlns:a="http://schemas.openxmlformats.org/drawingml/2006/main" xmlns:r="http://schemas.openxmlformats.org/officeDocument/2006/relationships" xmlns:p="http://schemas.openxmlformats.org/presentationml/2006/main">
+  <p:cSld>
+    <p:spTree>
+      <p:nvGrpSpPr>
+        <p:cNvPr id="1" name=""/>
+        <p:cNvGrpSpPr/>
+        <p:nvPr/>
+      </p:nvGrpSpPr>
+      <p:grpSpPr>
+        <a:xfrm>
+          <a:off x="0" y="0"/>
+          <a:ext cx="0" cy="0"/>
+          <a:chOff x="0" y="0"/>
+          <a:chExt cx="0" cy="0"/>
+        </a:xfrm>
+      </p:grpSpPr>
+      <p:sp>
+        <p:nvSpPr>
+          <p:cNvPr id="6" name="文本框 5"/>
+          <p:cNvSpPr txBox="1"/>
+          <p:nvPr/>
+        </p:nvSpPr>
+        <p:spPr>
+          <a:xfrm>
+            <a:off x="854764" y="2405270"/>
+            <a:ext cx="10992679" cy="812530"/>
+          </a:xfrm>
+          <a:prstGeom prst="rect">
+            <a:avLst/>
+          </a:prstGeom>
+        </p:spPr>
+        <p:txBody>
+          <a:bodyPr wrap="square" rtlCol="0">
+            <a:spAutoFit/>
+          </a:bodyPr>
+          <a:lstStyle/>
+          <a:p>
+            <a:pPr>
+              <a:lnSpc>
+                <a:spcPct val="130000"/>
+              </a:lnSpc>
+            </a:pPr>
+            <a:r>
+              <a:rPr lang="zh-CN" altLang="en-US" dirty="0" smtClean="0">
+                <a:solidFill>
+                  <a:schemeClr val="bg1">
+                    <a:lumMod val="50000"/>
+                  </a:schemeClr>
+                </a:solidFill>
+              </a:rPr>
+              <a:t>参考： 从机器学习谈起 </a:t>
+            </a:r>
+            <a:r>
+              <a:rPr lang="en-US" altLang="zh-CN" dirty="0" smtClean="0">
+                <a:solidFill>
+                  <a:schemeClr val="bg1">
+                    <a:lumMod val="50000"/>
+                  </a:schemeClr>
+                </a:solidFill>
+                <a:hlinkClick r:id="rId2"/>
+              </a:rPr>
+              <a:t>http</a:t>
+            </a:r>
+            <a:r>
+              <a:rPr lang="en-US" altLang="zh-CN" dirty="0">
+                <a:solidFill>
+                  <a:schemeClr val="bg1">
+                    <a:lumMod val="50000"/>
+                  </a:schemeClr>
+                </a:solidFill>
+                <a:hlinkClick r:id="rId2"/>
+              </a:rPr>
+              <a:t>://</a:t>
+            </a:r>
+            <a:r>
+              <a:rPr lang="en-US" altLang="zh-CN" dirty="0" smtClean="0">
+                <a:solidFill>
+                  <a:schemeClr val="bg1">
+                    <a:lumMod val="50000"/>
+                  </a:schemeClr>
+                </a:solidFill>
+                <a:hlinkClick r:id="rId2"/>
+              </a:rPr>
+              <a:t>www.cnblogs.com/subconscious/p/4107357.html</a:t>
+            </a:r>
+            <a:endParaRPr lang="en-US" altLang="zh-CN" dirty="0" smtClean="0">
+              <a:solidFill>
+                <a:schemeClr val="bg1">
+                  <a:lumMod val="50000"/>
+                </a:schemeClr>
+              </a:solidFill>
+            </a:endParaRPr>
+          </a:p>
+          <a:p>
+            <a:pPr>
+              <a:lnSpc>
+                <a:spcPct val="130000"/>
+              </a:lnSpc>
+            </a:pPr>
+            <a:r>
+              <a:rPr lang="en-US" altLang="zh-CN" dirty="0" smtClean="0">
+                <a:solidFill>
+                  <a:schemeClr val="bg1">
+                    <a:lumMod val="50000"/>
+                  </a:schemeClr>
+                </a:solidFill>
+              </a:rPr>
+              <a:t>             </a:t>
+            </a:r>
+            <a:r>
+              <a:rPr lang="en-US" altLang="zh-CN" dirty="0" err="1" smtClean="0">
+                <a:solidFill>
+                  <a:schemeClr val="bg1">
+                    <a:lumMod val="50000"/>
+                  </a:schemeClr>
+                </a:solidFill>
+              </a:rPr>
+              <a:t>machine_learning</a:t>
+            </a:r>
+            <a:r>
+              <a:rPr lang="en-US" altLang="zh-CN" dirty="0" smtClean="0">
+                <a:solidFill>
+                  <a:schemeClr val="bg1">
+                    <a:lumMod val="50000"/>
+                  </a:schemeClr>
+                </a:solidFill>
+              </a:rPr>
+              <a:t>  https://github.com/junku901/machine_learning</a:t>
+            </a:r>
+            <a:endParaRPr lang="zh-CN" altLang="en-US" dirty="0" smtClean="0">
+              <a:solidFill>
+                <a:schemeClr val="bg1">
+                  <a:lumMod val="50000"/>
+                </a:schemeClr>
+              </a:solidFill>
+            </a:endParaRPr>
+          </a:p>
+        </p:txBody>
+      </p:sp>
+    </p:spTree>
+    <p:extLst>
+      <p:ext uri="{BB962C8B-B14F-4D97-AF65-F5344CB8AC3E}">
+        <p14:creationId xmlns:p14="http://schemas.microsoft.com/office/powerpoint/2010/main" val="1835831589"/>
+      </p:ext>
+    </p:extLst>
+  </p:cSld>
+  <p:clrMapOvr>
+    <a:masterClrMapping/>
+  </p:clrMapOvr>
+  <p:timing>
+    <p:tnLst>
+      <p:par>
+        <p:cTn id="1" dur="indefinite" restart="never" nodeType="tmRoot"/>
+      </p:par>
+    </p:tnLst>
+  </p:timing>
+</p:sld>
+</file>
+
+<file path=ppt/slides/slide13.xml><?xml version="1.0" encoding="utf-8"?>
 <p:sld xmlns:a="http://schemas.openxmlformats.org/drawingml/2006/main" xmlns:r="http://schemas.openxmlformats.org/officeDocument/2006/relationships" xmlns:p="http://schemas.openxmlformats.org/presentationml/2006/main">
   <p:cSld>
     <p:spTree>
@@ -12922,6 +13096,13 @@
       </p:transition>
     </mc:Fallback>
   </mc:AlternateContent>
+  <p:timing>
+    <p:tnLst>
+      <p:par>
+        <p:cTn id="1" dur="indefinite" restart="never" nodeType="tmRoot"/>
+      </p:par>
+    </p:tnLst>
+  </p:timing>
 </p:sld>
 </file>
 
@@ -13072,11 +13253,7 @@
             </a:r>
             <a:r>
               <a:rPr kumimoji="1" lang="zh-CN" altLang="en-US" sz="2800" dirty="0" smtClean="0"/>
-              <a:t>  </a:t>
-            </a:r>
-            <a:r>
-              <a:rPr kumimoji="1" lang="zh-CN" altLang="en-US" sz="2800" dirty="0" smtClean="0"/>
-              <a:t> 决策树</a:t>
+              <a:t>   决策树</a:t>
             </a:r>
             <a:endParaRPr kumimoji="1" lang="zh-CN" altLang="en-US" sz="2800" dirty="0"/>
           </a:p>
@@ -13191,7 +13368,19 @@
             </a:r>
             <a:r>
               <a:rPr lang="zh-CN" altLang="en-US" sz="2400" dirty="0" smtClean="0"/>
-              <a:t>用计算机从历史数据中找出规律，并把这些规律用到对未来不确定场景的决策</a:t>
+              <a:t>用计算机从</a:t>
+            </a:r>
+            <a:r>
+              <a:rPr lang="zh-CN" altLang="en-US" sz="2400" dirty="0" smtClean="0">
+                <a:solidFill>
+                  <a:srgbClr val="FF0000"/>
+                </a:solidFill>
+              </a:rPr>
+              <a:t>历史数据中找出规律</a:t>
+            </a:r>
+            <a:r>
+              <a:rPr lang="zh-CN" altLang="en-US" sz="2400" dirty="0" smtClean="0"/>
+              <a:t>，并把这些规律用到对未来不确定场景的决策</a:t>
             </a:r>
             <a:endParaRPr lang="en-US" altLang="zh-CN" sz="2400" dirty="0" smtClean="0"/>
           </a:p>
@@ -13273,6 +13462,66 @@
           </a:p>
         </p:txBody>
       </p:sp>
+      <p:pic>
+        <p:nvPicPr>
+          <p:cNvPr id="5" name="图片 4"/>
+          <p:cNvPicPr>
+            <a:picLocks noChangeAspect="1"/>
+          </p:cNvPicPr>
+          <p:nvPr/>
+        </p:nvPicPr>
+        <p:blipFill>
+          <a:blip r:embed="rId2">
+            <a:extLst>
+              <a:ext uri="{28A0092B-C50C-407E-A947-70E740481C1C}">
+                <a14:useLocalDpi xmlns:a14="http://schemas.microsoft.com/office/drawing/2010/main" val="0"/>
+              </a:ext>
+            </a:extLst>
+          </a:blip>
+          <a:stretch>
+            <a:fillRect/>
+          </a:stretch>
+        </p:blipFill>
+        <p:spPr>
+          <a:xfrm>
+            <a:off x="2402542" y="1879128"/>
+            <a:ext cx="9279772" cy="4468590"/>
+          </a:xfrm>
+          <a:prstGeom prst="rect">
+            <a:avLst/>
+          </a:prstGeom>
+        </p:spPr>
+      </p:pic>
+      <p:pic>
+        <p:nvPicPr>
+          <p:cNvPr id="6" name="图片 5"/>
+          <p:cNvPicPr>
+            <a:picLocks noChangeAspect="1"/>
+          </p:cNvPicPr>
+          <p:nvPr/>
+        </p:nvPicPr>
+        <p:blipFill>
+          <a:blip r:embed="rId3">
+            <a:extLst>
+              <a:ext uri="{28A0092B-C50C-407E-A947-70E740481C1C}">
+                <a14:useLocalDpi xmlns:a14="http://schemas.microsoft.com/office/drawing/2010/main" val="0"/>
+              </a:ext>
+            </a:extLst>
+          </a:blip>
+          <a:stretch>
+            <a:fillRect/>
+          </a:stretch>
+        </p:blipFill>
+        <p:spPr>
+          <a:xfrm>
+            <a:off x="2013228" y="826464"/>
+            <a:ext cx="10058400" cy="5775856"/>
+          </a:xfrm>
+          <a:prstGeom prst="rect">
+            <a:avLst/>
+          </a:prstGeom>
+        </p:spPr>
+      </p:pic>
     </p:spTree>
     <p:extLst>
       <p:ext uri="{BB962C8B-B14F-4D97-AF65-F5344CB8AC3E}">
@@ -13286,7 +13535,220 @@
   <p:timing>
     <p:tnLst>
       <p:par>
-        <p:cTn id="1" dur="indefinite" restart="never" nodeType="tmRoot"/>
+        <p:cTn id="1" dur="indefinite" restart="never" nodeType="tmRoot">
+          <p:childTnLst>
+            <p:seq concurrent="1" nextAc="seek">
+              <p:cTn id="2" dur="indefinite" nodeType="mainSeq">
+                <p:childTnLst>
+                  <p:par>
+                    <p:cTn id="3" fill="hold">
+                      <p:stCondLst>
+                        <p:cond delay="indefinite"/>
+                      </p:stCondLst>
+                      <p:childTnLst>
+                        <p:par>
+                          <p:cTn id="4" fill="hold">
+                            <p:stCondLst>
+                              <p:cond delay="0"/>
+                            </p:stCondLst>
+                            <p:childTnLst>
+                              <p:par>
+                                <p:cTn id="5" presetID="2" presetClass="entr" presetSubtype="4" fill="hold" nodeType="clickEffect">
+                                  <p:stCondLst>
+                                    <p:cond delay="0"/>
+                                  </p:stCondLst>
+                                  <p:childTnLst>
+                                    <p:set>
+                                      <p:cBhvr>
+                                        <p:cTn id="6" dur="1" fill="hold">
+                                          <p:stCondLst>
+                                            <p:cond delay="0"/>
+                                          </p:stCondLst>
+                                        </p:cTn>
+                                        <p:tgtEl>
+                                          <p:spTgt spid="5"/>
+                                        </p:tgtEl>
+                                        <p:attrNameLst>
+                                          <p:attrName>style.visibility</p:attrName>
+                                        </p:attrNameLst>
+                                      </p:cBhvr>
+                                      <p:to>
+                                        <p:strVal val="visible"/>
+                                      </p:to>
+                                    </p:set>
+                                    <p:anim calcmode="lin" valueType="num">
+                                      <p:cBhvr additive="base">
+                                        <p:cTn id="7" dur="500" fill="hold"/>
+                                        <p:tgtEl>
+                                          <p:spTgt spid="5"/>
+                                        </p:tgtEl>
+                                        <p:attrNameLst>
+                                          <p:attrName>ppt_x</p:attrName>
+                                        </p:attrNameLst>
+                                      </p:cBhvr>
+                                      <p:tavLst>
+                                        <p:tav tm="0">
+                                          <p:val>
+                                            <p:strVal val="#ppt_x"/>
+                                          </p:val>
+                                        </p:tav>
+                                        <p:tav tm="100000">
+                                          <p:val>
+                                            <p:strVal val="#ppt_x"/>
+                                          </p:val>
+                                        </p:tav>
+                                      </p:tavLst>
+                                    </p:anim>
+                                    <p:anim calcmode="lin" valueType="num">
+                                      <p:cBhvr additive="base">
+                                        <p:cTn id="8" dur="500" fill="hold"/>
+                                        <p:tgtEl>
+                                          <p:spTgt spid="5"/>
+                                        </p:tgtEl>
+                                        <p:attrNameLst>
+                                          <p:attrName>ppt_y</p:attrName>
+                                        </p:attrNameLst>
+                                      </p:cBhvr>
+                                      <p:tavLst>
+                                        <p:tav tm="0">
+                                          <p:val>
+                                            <p:strVal val="1+#ppt_h/2"/>
+                                          </p:val>
+                                        </p:tav>
+                                        <p:tav tm="100000">
+                                          <p:val>
+                                            <p:strVal val="#ppt_y"/>
+                                          </p:val>
+                                        </p:tav>
+                                      </p:tavLst>
+                                    </p:anim>
+                                  </p:childTnLst>
+                                </p:cTn>
+                              </p:par>
+                            </p:childTnLst>
+                          </p:cTn>
+                        </p:par>
+                      </p:childTnLst>
+                    </p:cTn>
+                  </p:par>
+                  <p:par>
+                    <p:cTn id="9" fill="hold">
+                      <p:stCondLst>
+                        <p:cond delay="indefinite"/>
+                      </p:stCondLst>
+                      <p:childTnLst>
+                        <p:par>
+                          <p:cTn id="10" fill="hold">
+                            <p:stCondLst>
+                              <p:cond delay="0"/>
+                            </p:stCondLst>
+                            <p:childTnLst>
+                              <p:par>
+                                <p:cTn id="11" presetID="42" presetClass="entr" presetSubtype="0" fill="hold" nodeType="clickEffect">
+                                  <p:stCondLst>
+                                    <p:cond delay="0"/>
+                                  </p:stCondLst>
+                                  <p:childTnLst>
+                                    <p:set>
+                                      <p:cBhvr>
+                                        <p:cTn id="12" dur="1" fill="hold">
+                                          <p:stCondLst>
+                                            <p:cond delay="0"/>
+                                          </p:stCondLst>
+                                        </p:cTn>
+                                        <p:tgtEl>
+                                          <p:spTgt spid="6"/>
+                                        </p:tgtEl>
+                                        <p:attrNameLst>
+                                          <p:attrName>style.visibility</p:attrName>
+                                        </p:attrNameLst>
+                                      </p:cBhvr>
+                                      <p:to>
+                                        <p:strVal val="visible"/>
+                                      </p:to>
+                                    </p:set>
+                                    <p:animEffect transition="in" filter="fade">
+                                      <p:cBhvr>
+                                        <p:cTn id="13" dur="1000"/>
+                                        <p:tgtEl>
+                                          <p:spTgt spid="6"/>
+                                        </p:tgtEl>
+                                      </p:cBhvr>
+                                    </p:animEffect>
+                                    <p:anim calcmode="lin" valueType="num">
+                                      <p:cBhvr>
+                                        <p:cTn id="14" dur="1000" fill="hold"/>
+                                        <p:tgtEl>
+                                          <p:spTgt spid="6"/>
+                                        </p:tgtEl>
+                                        <p:attrNameLst>
+                                          <p:attrName>ppt_x</p:attrName>
+                                        </p:attrNameLst>
+                                      </p:cBhvr>
+                                      <p:tavLst>
+                                        <p:tav tm="0">
+                                          <p:val>
+                                            <p:strVal val="#ppt_x"/>
+                                          </p:val>
+                                        </p:tav>
+                                        <p:tav tm="100000">
+                                          <p:val>
+                                            <p:strVal val="#ppt_x"/>
+                                          </p:val>
+                                        </p:tav>
+                                      </p:tavLst>
+                                    </p:anim>
+                                    <p:anim calcmode="lin" valueType="num">
+                                      <p:cBhvr>
+                                        <p:cTn id="15" dur="1000" fill="hold"/>
+                                        <p:tgtEl>
+                                          <p:spTgt spid="6"/>
+                                        </p:tgtEl>
+                                        <p:attrNameLst>
+                                          <p:attrName>ppt_y</p:attrName>
+                                        </p:attrNameLst>
+                                      </p:cBhvr>
+                                      <p:tavLst>
+                                        <p:tav tm="0">
+                                          <p:val>
+                                            <p:strVal val="#ppt_y+.1"/>
+                                          </p:val>
+                                        </p:tav>
+                                        <p:tav tm="100000">
+                                          <p:val>
+                                            <p:strVal val="#ppt_y"/>
+                                          </p:val>
+                                        </p:tav>
+                                      </p:tavLst>
+                                    </p:anim>
+                                  </p:childTnLst>
+                                </p:cTn>
+                              </p:par>
+                            </p:childTnLst>
+                          </p:cTn>
+                        </p:par>
+                      </p:childTnLst>
+                    </p:cTn>
+                  </p:par>
+                </p:childTnLst>
+              </p:cTn>
+              <p:prevCondLst>
+                <p:cond evt="onPrev" delay="0">
+                  <p:tgtEl>
+                    <p:sldTgt/>
+                  </p:tgtEl>
+                </p:cond>
+              </p:prevCondLst>
+              <p:nextCondLst>
+                <p:cond evt="onNext" delay="0">
+                  <p:tgtEl>
+                    <p:sldTgt/>
+                  </p:tgtEl>
+                </p:cond>
+              </p:nextCondLst>
+            </p:seq>
+          </p:childTnLst>
+        </p:cTn>
       </p:par>
     </p:tnLst>
   </p:timing>
@@ -13483,6 +13945,13 @@
   <p:clrMapOvr>
     <a:masterClrMapping/>
   </p:clrMapOvr>
+  <p:timing>
+    <p:tnLst>
+      <p:par>
+        <p:cTn id="1" dur="indefinite" restart="never" nodeType="tmRoot"/>
+      </p:par>
+    </p:tnLst>
+  </p:timing>
 </p:sld>
 </file>
 
@@ -14697,11 +15166,7 @@
             </a:pPr>
             <a:r>
               <a:rPr lang="zh-CN" altLang="en-US" b="1" dirty="0" smtClean="0"/>
-              <a:t>距</a:t>
-            </a:r>
-            <a:r>
-              <a:rPr lang="zh-CN" altLang="en-US" b="1" dirty="0" smtClean="0"/>
-              <a:t>离的度量</a:t>
+              <a:t>距离的度量</a:t>
             </a:r>
             <a:endParaRPr lang="en-US" altLang="zh-CN" b="1" dirty="0" smtClean="0"/>
           </a:p>
@@ -15127,6 +15592,13 @@
       </p:transition>
     </mc:Fallback>
   </mc:AlternateContent>
+  <p:timing>
+    <p:tnLst>
+      <p:par>
+        <p:cTn id="1" dur="indefinite" restart="never" nodeType="tmRoot"/>
+      </p:par>
+    </p:tnLst>
+  </p:timing>
 </p:sld>
 </file>
 
